--- a/presentations/ds5230_phase1_farrell_massone.pptx
+++ b/presentations/ds5230_phase1_farrell_massone.pptx
@@ -1528,7 +1528,7 @@
           <a:p>
             <a:fld id="{FCF7FFFD-EAF5-4849-9B02-39625D490637}" type="datetimeFigureOut">
               <a:rPr lang="en-US" smtClean="0"/>
-              <a:t>1/20/24</a:t>
+              <a:t>1/21/24</a:t>
             </a:fld>
             <a:endParaRPr lang="en-US"/>
           </a:p>
@@ -2987,7 +2987,7 @@
           <a:p>
             <a:fld id="{FCF7FFFD-EAF5-4849-9B02-39625D490637}" type="datetimeFigureOut">
               <a:rPr lang="en-US" smtClean="0"/>
-              <a:t>1/20/24</a:t>
+              <a:t>1/21/24</a:t>
             </a:fld>
             <a:endParaRPr lang="en-US"/>
           </a:p>
@@ -4440,7 +4440,7 @@
           <a:p>
             <a:fld id="{FCF7FFFD-EAF5-4849-9B02-39625D490637}" type="datetimeFigureOut">
               <a:rPr lang="en-US" smtClean="0"/>
-              <a:t>1/20/24</a:t>
+              <a:t>1/21/24</a:t>
             </a:fld>
             <a:endParaRPr lang="en-US"/>
           </a:p>
@@ -5895,7 +5895,7 @@
           <a:p>
             <a:fld id="{FCF7FFFD-EAF5-4849-9B02-39625D490637}" type="datetimeFigureOut">
               <a:rPr lang="en-US" smtClean="0"/>
-              <a:t>1/20/24</a:t>
+              <a:t>1/21/24</a:t>
             </a:fld>
             <a:endParaRPr lang="en-US"/>
           </a:p>
@@ -7403,7 +7403,7 @@
           <a:p>
             <a:fld id="{FCF7FFFD-EAF5-4849-9B02-39625D490637}" type="datetimeFigureOut">
               <a:rPr lang="en-US" smtClean="0"/>
-              <a:t>1/20/24</a:t>
+              <a:t>1/21/24</a:t>
             </a:fld>
             <a:endParaRPr lang="en-US"/>
           </a:p>
@@ -8924,7 +8924,7 @@
           <a:p>
             <a:fld id="{FCF7FFFD-EAF5-4849-9B02-39625D490637}" type="datetimeFigureOut">
               <a:rPr lang="en-US" smtClean="0"/>
-              <a:t>1/20/24</a:t>
+              <a:t>1/21/24</a:t>
             </a:fld>
             <a:endParaRPr lang="en-US"/>
           </a:p>
@@ -10589,7 +10589,7 @@
           <a:p>
             <a:fld id="{FCF7FFFD-EAF5-4849-9B02-39625D490637}" type="datetimeFigureOut">
               <a:rPr lang="en-US" smtClean="0"/>
-              <a:t>1/20/24</a:t>
+              <a:t>1/21/24</a:t>
             </a:fld>
             <a:endParaRPr lang="en-US"/>
           </a:p>
@@ -11987,7 +11987,7 @@
           <a:p>
             <a:fld id="{FCF7FFFD-EAF5-4849-9B02-39625D490637}" type="datetimeFigureOut">
               <a:rPr lang="en-US" smtClean="0"/>
-              <a:t>1/20/24</a:t>
+              <a:t>1/21/24</a:t>
             </a:fld>
             <a:endParaRPr lang="en-US"/>
           </a:p>
@@ -12087,7 +12087,7 @@
           <a:p>
             <a:fld id="{FCF7FFFD-EAF5-4849-9B02-39625D490637}" type="datetimeFigureOut">
               <a:rPr lang="en-US" smtClean="0"/>
-              <a:t>1/20/24</a:t>
+              <a:t>1/21/24</a:t>
             </a:fld>
             <a:endParaRPr lang="en-US"/>
           </a:p>
@@ -13613,7 +13613,7 @@
           <a:p>
             <a:fld id="{FCF7FFFD-EAF5-4849-9B02-39625D490637}" type="datetimeFigureOut">
               <a:rPr lang="en-US" smtClean="0"/>
-              <a:t>1/20/24</a:t>
+              <a:t>1/21/24</a:t>
             </a:fld>
             <a:endParaRPr lang="en-US"/>
           </a:p>
@@ -15149,7 +15149,7 @@
           <a:p>
             <a:fld id="{FCF7FFFD-EAF5-4849-9B02-39625D490637}" type="datetimeFigureOut">
               <a:rPr lang="en-US" smtClean="0"/>
-              <a:t>1/20/24</a:t>
+              <a:t>1/21/24</a:t>
             </a:fld>
             <a:endParaRPr lang="en-US"/>
           </a:p>
@@ -15372,7 +15372,7 @@
           <a:p>
             <a:fld id="{FCF7FFFD-EAF5-4849-9B02-39625D490637}" type="datetimeFigureOut">
               <a:rPr lang="en-US" smtClean="0"/>
-              <a:t>1/20/24</a:t>
+              <a:t>1/21/24</a:t>
             </a:fld>
             <a:endParaRPr lang="en-US"/>
           </a:p>
@@ -15967,7 +15967,12 @@
             <p:ph type="title"/>
           </p:nvPr>
         </p:nvSpPr>
-        <p:spPr/>
+        <p:spPr>
+          <a:xfrm>
+            <a:off x="3344216" y="2074730"/>
+            <a:ext cx="5490224" cy="1267560"/>
+          </a:xfrm>
+        </p:spPr>
         <p:txBody>
           <a:bodyPr/>
           <a:lstStyle/>
@@ -15997,14 +16002,34 @@
             <p:ph type="body" idx="1"/>
           </p:nvPr>
         </p:nvSpPr>
-        <p:spPr/>
+        <p:spPr>
+          <a:xfrm>
+            <a:off x="3344215" y="3428734"/>
+            <a:ext cx="5490223" cy="1801887"/>
+          </a:xfrm>
+        </p:spPr>
         <p:txBody>
           <a:bodyPr>
             <a:normAutofit fontScale="92500" lnSpcReduction="20000"/>
           </a:bodyPr>
           <a:lstStyle/>
           <a:p>
-            <a:pPr algn="l"/>
+            <a:pPr marL="285750" indent="-285750" algn="l">
+              <a:buFont typeface="Arial" panose="020B0604020202020204" pitchFamily="34" charset="0"/>
+              <a:buChar char="•"/>
+            </a:pPr>
+            <a:r>
+              <a:rPr lang="en-US" dirty="0">
+                <a:latin typeface="+mj-lt"/>
+              </a:rPr>
+              <a:t>Size: (13611 x 17) – 13611 rows, 17 columns</a:t>
+            </a:r>
+          </a:p>
+          <a:p>
+            <a:pPr marL="285750" indent="-285750" algn="l">
+              <a:buFont typeface="Arial" panose="020B0604020202020204" pitchFamily="34" charset="0"/>
+              <a:buChar char="•"/>
+            </a:pPr>
             <a:r>
               <a:rPr lang="en-US" dirty="0">
                 <a:latin typeface="+mj-lt"/>
